--- a/Reservation.pptx
+++ b/Reservation.pptx
@@ -8,7 +8,8 @@
     <p:sldId id="256" r:id="rId2"/>
     <p:sldId id="257" r:id="rId3"/>
     <p:sldId id="258" r:id="rId4"/>
-    <p:sldId id="259" r:id="rId5"/>
+    <p:sldId id="260" r:id="rId5"/>
+    <p:sldId id="259" r:id="rId6"/>
   </p:sldIdLst>
   <p:sldSz cx="12192000" cy="6858000"/>
   <p:notesSz cx="6858000" cy="9144000"/>
@@ -107,6 +108,11 @@
       </a:defRPr>
     </a:lvl9pPr>
   </p:defaultTextStyle>
+  <p:extLst>
+    <p:ext uri="{EFAFB233-063F-42B5-8137-9DF3F51BA10A}">
+      <p15:sldGuideLst xmlns:p15="http://schemas.microsoft.com/office/powerpoint/2012/main"/>
+    </p:ext>
+  </p:extLst>
 </p:presentation>
 </file>
 
@@ -4421,8 +4427,8 @@
         </p:nvSpPr>
         <p:spPr>
           <a:xfrm>
-            <a:off x="667788" y="1388918"/>
-            <a:ext cx="9338657" cy="4481946"/>
+            <a:off x="667789" y="1388918"/>
+            <a:ext cx="9711887" cy="2894758"/>
           </a:xfrm>
           <a:prstGeom prst="rect">
             <a:avLst/>
@@ -4465,7 +4471,31 @@
                   </a:outerShdw>
                 </a:effectLst>
               </a:rPr>
-              <a:t>Site réalisé en PHP, SQL, </a:t>
+              <a:t>Site réalisé en </a:t>
+            </a:r>
+            <a:r>
+              <a:rPr lang="fr-FR" sz="3200" dirty="0" smtClean="0">
+                <a:effectLst>
+                  <a:outerShdw blurRad="38100" dist="38100" dir="2700000" algn="tl">
+                    <a:srgbClr val="000000">
+                      <a:alpha val="43137"/>
+                    </a:srgbClr>
+                  </a:outerShdw>
+                </a:effectLst>
+              </a:rPr>
+              <a:t>PHP Orienté Objet, </a:t>
+            </a:r>
+            <a:r>
+              <a:rPr lang="fr-FR" sz="3200" dirty="0" smtClean="0">
+                <a:effectLst>
+                  <a:outerShdw blurRad="38100" dist="38100" dir="2700000" algn="tl">
+                    <a:srgbClr val="000000">
+                      <a:alpha val="43137"/>
+                    </a:srgbClr>
+                  </a:outerShdw>
+                </a:effectLst>
+              </a:rPr>
+              <a:t>SQL, </a:t>
             </a:r>
             <a:r>
               <a:rPr lang="fr-FR" sz="3200" dirty="0" err="1" smtClean="0">
@@ -4514,8 +4544,29 @@
                   </a:outerShdw>
                 </a:effectLst>
               </a:rPr>
-              <a:t>Délai du projet : 2 semaines</a:t>
-            </a:r>
+              <a:t>Le site simule un portail de réservation de billets d’avion.</a:t>
+            </a:r>
+            <a:r>
+              <a:rPr lang="fr-FR" sz="3200" dirty="0" smtClean="0">
+                <a:effectLst>
+                  <a:outerShdw blurRad="38100" dist="38100" dir="2700000" algn="tl">
+                    <a:srgbClr val="000000">
+                      <a:alpha val="43137"/>
+                    </a:srgbClr>
+                  </a:outerShdw>
+                </a:effectLst>
+              </a:rPr>
+              <a:t> </a:t>
+            </a:r>
+            <a:endParaRPr lang="fr-FR" sz="3200" dirty="0" smtClean="0">
+              <a:effectLst>
+                <a:outerShdw blurRad="38100" dist="38100" dir="2700000" algn="tl">
+                  <a:srgbClr val="000000">
+                    <a:alpha val="43137"/>
+                  </a:srgbClr>
+                </a:outerShdw>
+              </a:effectLst>
+            </a:endParaRPr>
           </a:p>
           <a:p>
             <a:endParaRPr lang="fr-FR" sz="3200" dirty="0">
@@ -4539,44 +4590,8 @@
                   </a:outerShdw>
                 </a:effectLst>
               </a:rPr>
-              <a:t>Durée totale sur le projet : ~ 50h</a:t>
-            </a:r>
-          </a:p>
-          <a:p>
-            <a:endParaRPr lang="fr-FR" sz="3200" dirty="0">
-              <a:effectLst>
-                <a:outerShdw blurRad="38100" dist="38100" dir="2700000" algn="tl">
-                  <a:srgbClr val="000000">
-                    <a:alpha val="43137"/>
-                  </a:srgbClr>
-                </a:outerShdw>
-              </a:effectLst>
-            </a:endParaRPr>
-          </a:p>
-          <a:p>
-            <a:r>
-              <a:rPr lang="fr-FR" sz="3200" dirty="0" smtClean="0">
-                <a:effectLst>
-                  <a:outerShdw blurRad="38100" dist="38100" dir="2700000" algn="tl">
-                    <a:srgbClr val="000000">
-                      <a:alpha val="43137"/>
-                    </a:srgbClr>
-                  </a:outerShdw>
-                </a:effectLst>
-              </a:rPr>
-              <a:t>Coût du projet : </a:t>
-            </a:r>
-          </a:p>
-          <a:p>
-            <a:endParaRPr lang="fr-FR" sz="3200" dirty="0" smtClean="0">
-              <a:effectLst>
-                <a:outerShdw blurRad="38100" dist="38100" dir="2700000" algn="tl">
-                  <a:srgbClr val="000000">
-                    <a:alpha val="43137"/>
-                  </a:srgbClr>
-                </a:outerShdw>
-              </a:effectLst>
-            </a:endParaRPr>
+              <a:t>Il y existe un espace pour les utilisateurs et un espace administrateur.</a:t>
+            </a:r>
           </a:p>
         </p:txBody>
       </p:sp>
@@ -4671,7 +4686,7 @@
                   </a:outerShdw>
                 </a:effectLst>
               </a:rPr>
-              <a:t>Présentation du projet</a:t>
+              <a:t>Etude du projet</a:t>
             </a:r>
             <a:endParaRPr lang="fr-FR" sz="4800" u="sng" dirty="0">
               <a:effectLst>
@@ -4762,8 +4777,8 @@
         </p:nvSpPr>
         <p:spPr>
           <a:xfrm>
-            <a:off x="667788" y="1388918"/>
-            <a:ext cx="9338657" cy="4481946"/>
+            <a:off x="667788" y="1388917"/>
+            <a:ext cx="8286742" cy="4756509"/>
           </a:xfrm>
           <a:prstGeom prst="rect">
             <a:avLst/>
@@ -4796,6 +4811,10 @@
             </a:lvl1pPr>
           </a:lstStyle>
           <a:p>
+            <a:pPr marL="457200" indent="-457200">
+              <a:buFontTx/>
+              <a:buChar char="-"/>
+            </a:pPr>
             <a:r>
               <a:rPr lang="fr-FR" sz="3200" dirty="0" smtClean="0">
                 <a:effectLst>
@@ -4806,20 +4825,14 @@
                   </a:outerShdw>
                 </a:effectLst>
               </a:rPr>
-              <a:t>Site réalisé en PHP, SQL, </a:t>
-            </a:r>
-            <a:r>
-              <a:rPr lang="fr-FR" sz="3200" dirty="0" err="1" smtClean="0">
-                <a:effectLst>
-                  <a:outerShdw blurRad="38100" dist="38100" dir="2700000" algn="tl">
-                    <a:srgbClr val="000000">
-                      <a:alpha val="43137"/>
-                    </a:srgbClr>
-                  </a:outerShdw>
-                </a:effectLst>
-              </a:rPr>
-              <a:t>WampServer</a:t>
-            </a:r>
+              <a:t>Elaboration de la BDD</a:t>
+            </a:r>
+          </a:p>
+          <a:p>
+            <a:pPr marL="457200" indent="-457200">
+              <a:buFontTx/>
+              <a:buChar char="-"/>
+            </a:pPr>
             <a:r>
               <a:rPr lang="fr-FR" sz="3200" dirty="0" smtClean="0">
                 <a:effectLst>
@@ -4830,8 +4843,47 @@
                   </a:outerShdw>
                 </a:effectLst>
               </a:rPr>
-              <a:t>.</a:t>
-            </a:r>
+              <a:t>Plan du site</a:t>
+            </a:r>
+          </a:p>
+          <a:p>
+            <a:pPr marL="457200" indent="-457200">
+              <a:buFontTx/>
+              <a:buChar char="-"/>
+            </a:pPr>
+            <a:r>
+              <a:rPr lang="fr-FR" sz="3200" dirty="0" smtClean="0">
+                <a:effectLst>
+                  <a:outerShdw blurRad="38100" dist="38100" dir="2700000" algn="tl">
+                    <a:srgbClr val="000000">
+                      <a:alpha val="43137"/>
+                    </a:srgbClr>
+                  </a:outerShdw>
+                </a:effectLst>
+              </a:rPr>
+              <a:t>Intégration du </a:t>
+            </a:r>
+            <a:r>
+              <a:rPr lang="fr-FR" sz="3200" smtClean="0">
+                <a:effectLst>
+                  <a:outerShdw blurRad="38100" dist="38100" dir="2700000" algn="tl">
+                    <a:srgbClr val="000000">
+                      <a:alpha val="43137"/>
+                    </a:srgbClr>
+                  </a:outerShdw>
+                </a:effectLst>
+              </a:rPr>
+              <a:t>PHP objet</a:t>
+            </a:r>
+            <a:endParaRPr lang="fr-FR" sz="3200" dirty="0" smtClean="0">
+              <a:effectLst>
+                <a:outerShdw blurRad="38100" dist="38100" dir="2700000" algn="tl">
+                  <a:srgbClr val="000000">
+                    <a:alpha val="43137"/>
+                  </a:srgbClr>
+                </a:outerShdw>
+              </a:effectLst>
+            </a:endParaRPr>
           </a:p>
           <a:p>
             <a:endParaRPr lang="fr-FR" sz="3200" dirty="0">
@@ -4855,7 +4907,19 @@
                   </a:outerShdw>
                 </a:effectLst>
               </a:rPr>
-              <a:t>Délai du projet : 2 semaines</a:t>
+              <a:t>Délai </a:t>
+            </a:r>
+            <a:r>
+              <a:rPr lang="fr-FR" sz="3200" dirty="0">
+                <a:effectLst>
+                  <a:outerShdw blurRad="38100" dist="38100" dir="2700000" algn="tl">
+                    <a:srgbClr val="000000">
+                      <a:alpha val="43137"/>
+                    </a:srgbClr>
+                  </a:outerShdw>
+                </a:effectLst>
+              </a:rPr>
+              <a:t>du projet : 2 semaines</a:t>
             </a:r>
           </a:p>
           <a:p>
@@ -4871,6 +4935,43 @@
           </a:p>
           <a:p>
             <a:r>
+              <a:rPr lang="fr-FR" sz="3200" dirty="0">
+                <a:effectLst>
+                  <a:outerShdw blurRad="38100" dist="38100" dir="2700000" algn="tl">
+                    <a:srgbClr val="000000">
+                      <a:alpha val="43137"/>
+                    </a:srgbClr>
+                  </a:outerShdw>
+                </a:effectLst>
+              </a:rPr>
+              <a:t>Durée totale sur le projet : ~ 50h</a:t>
+            </a:r>
+          </a:p>
+          <a:p>
+            <a:endParaRPr lang="fr-FR" sz="3200" dirty="0">
+              <a:effectLst>
+                <a:outerShdw blurRad="38100" dist="38100" dir="2700000" algn="tl">
+                  <a:srgbClr val="000000">
+                    <a:alpha val="43137"/>
+                  </a:srgbClr>
+                </a:outerShdw>
+              </a:effectLst>
+            </a:endParaRPr>
+          </a:p>
+          <a:p>
+            <a:r>
+              <a:rPr lang="fr-FR" sz="3200" dirty="0">
+                <a:effectLst>
+                  <a:outerShdw blurRad="38100" dist="38100" dir="2700000" algn="tl">
+                    <a:srgbClr val="000000">
+                      <a:alpha val="43137"/>
+                    </a:srgbClr>
+                  </a:outerShdw>
+                </a:effectLst>
+              </a:rPr>
+              <a:t>Coût du projet </a:t>
+            </a:r>
+            <a:r>
               <a:rPr lang="fr-FR" sz="3200" dirty="0" smtClean="0">
                 <a:effectLst>
                   <a:outerShdw blurRad="38100" dist="38100" dir="2700000" algn="tl">
@@ -4880,7 +4981,7 @@
                   </a:outerShdw>
                 </a:effectLst>
               </a:rPr>
-              <a:t>Durée totale sur le projet : ~ 50h</a:t>
+              <a:t>:</a:t>
             </a:r>
           </a:p>
           <a:p>
@@ -4895,20 +4996,6 @@
             </a:endParaRPr>
           </a:p>
           <a:p>
-            <a:r>
-              <a:rPr lang="fr-FR" sz="3200" dirty="0" smtClean="0">
-                <a:effectLst>
-                  <a:outerShdw blurRad="38100" dist="38100" dir="2700000" algn="tl">
-                    <a:srgbClr val="000000">
-                      <a:alpha val="43137"/>
-                    </a:srgbClr>
-                  </a:outerShdw>
-                </a:effectLst>
-              </a:rPr>
-              <a:t>Coût du projet : </a:t>
-            </a:r>
-          </a:p>
-          <a:p>
             <a:endParaRPr lang="fr-FR" sz="3200" dirty="0" smtClean="0">
               <a:effectLst>
                 <a:outerShdw blurRad="38100" dist="38100" dir="2700000" algn="tl">
@@ -4924,7 +5011,203 @@
     </p:spTree>
     <p:extLst>
       <p:ext uri="{BB962C8B-B14F-4D97-AF65-F5344CB8AC3E}">
-        <p14:creationId xmlns:p14="http://schemas.microsoft.com/office/powerpoint/2010/main" val="4034595145"/>
+        <p14:creationId xmlns:p14="http://schemas.microsoft.com/office/powerpoint/2010/main" val="902895506"/>
+      </p:ext>
+    </p:extLst>
+  </p:cSld>
+  <p:clrMapOvr>
+    <a:masterClrMapping/>
+  </p:clrMapOvr>
+  <p:timing>
+    <p:tnLst>
+      <p:par>
+        <p:cTn id="1" dur="indefinite" restart="never" nodeType="tmRoot"/>
+      </p:par>
+    </p:tnLst>
+  </p:timing>
+</p:sld>
+</file>
+
+<file path=ppt/slides/slide5.xml><?xml version="1.0" encoding="utf-8"?>
+<p:sld xmlns:a="http://schemas.openxmlformats.org/drawingml/2006/main" xmlns:r="http://schemas.openxmlformats.org/officeDocument/2006/relationships" xmlns:p="http://schemas.openxmlformats.org/presentationml/2006/main">
+  <p:cSld>
+    <p:spTree>
+      <p:nvGrpSpPr>
+        <p:cNvPr id="1" name=""/>
+        <p:cNvGrpSpPr/>
+        <p:nvPr/>
+      </p:nvGrpSpPr>
+      <p:grpSpPr>
+        <a:xfrm>
+          <a:off x="0" y="0"/>
+          <a:ext cx="0" cy="0"/>
+          <a:chOff x="0" y="0"/>
+          <a:chExt cx="0" cy="0"/>
+        </a:xfrm>
+      </p:grpSpPr>
+      <p:sp>
+        <p:nvSpPr>
+          <p:cNvPr id="5" name="Titre 1"/>
+          <p:cNvSpPr txBox="1">
+            <a:spLocks/>
+          </p:cNvSpPr>
+          <p:nvPr/>
+        </p:nvSpPr>
+        <p:spPr>
+          <a:xfrm>
+            <a:off x="532706" y="426027"/>
+            <a:ext cx="9930939" cy="890155"/>
+          </a:xfrm>
+          <a:prstGeom prst="rect">
+            <a:avLst/>
+          </a:prstGeom>
+        </p:spPr>
+        <p:txBody>
+          <a:bodyPr vert="horz" lIns="91440" tIns="45720" rIns="91440" bIns="45720" rtlCol="0" anchor="t">
+            <a:normAutofit/>
+          </a:bodyPr>
+          <a:lstStyle>
+            <a:lvl1pPr algn="l" defTabSz="914400" rtl="0" eaLnBrk="1" latinLnBrk="0" hangingPunct="1">
+              <a:lnSpc>
+                <a:spcPct val="85000"/>
+              </a:lnSpc>
+              <a:spcBef>
+                <a:spcPct val="0"/>
+              </a:spcBef>
+              <a:buNone/>
+              <a:defRPr sz="8000" kern="1200" spc="-50" baseline="0">
+                <a:solidFill>
+                  <a:schemeClr val="tx1">
+                    <a:lumMod val="85000"/>
+                    <a:lumOff val="15000"/>
+                  </a:schemeClr>
+                </a:solidFill>
+                <a:latin typeface="+mj-lt"/>
+                <a:ea typeface="+mj-ea"/>
+                <a:cs typeface="+mj-cs"/>
+              </a:defRPr>
+            </a:lvl1pPr>
+          </a:lstStyle>
+          <a:p>
+            <a:r>
+              <a:rPr lang="fr-FR" sz="4800" u="sng" dirty="0" smtClean="0">
+                <a:effectLst>
+                  <a:outerShdw blurRad="38100" dist="38100" dir="2700000" algn="tl">
+                    <a:srgbClr val="000000">
+                      <a:alpha val="43137"/>
+                    </a:srgbClr>
+                  </a:outerShdw>
+                </a:effectLst>
+              </a:rPr>
+              <a:t>Modèle conceptuel de données</a:t>
+            </a:r>
+            <a:endParaRPr lang="fr-FR" sz="4800" u="sng" dirty="0">
+              <a:effectLst>
+                <a:outerShdw blurRad="38100" dist="38100" dir="2700000" algn="tl">
+                  <a:srgbClr val="000000">
+                    <a:alpha val="43137"/>
+                  </a:srgbClr>
+                </a:outerShdw>
+              </a:effectLst>
+            </a:endParaRPr>
+          </a:p>
+          <a:p>
+            <a:endParaRPr lang="fr-FR" sz="3200" u="sng" dirty="0" smtClean="0">
+              <a:effectLst>
+                <a:outerShdw blurRad="38100" dist="38100" dir="2700000" algn="tl">
+                  <a:srgbClr val="000000">
+                    <a:alpha val="43137"/>
+                  </a:srgbClr>
+                </a:outerShdw>
+              </a:effectLst>
+            </a:endParaRPr>
+          </a:p>
+        </p:txBody>
+      </p:sp>
+      <p:sp>
+        <p:nvSpPr>
+          <p:cNvPr id="6" name="Titre 1"/>
+          <p:cNvSpPr txBox="1">
+            <a:spLocks/>
+          </p:cNvSpPr>
+          <p:nvPr/>
+        </p:nvSpPr>
+        <p:spPr>
+          <a:xfrm>
+            <a:off x="1093816" y="1316182"/>
+            <a:ext cx="2750820" cy="748146"/>
+          </a:xfrm>
+          <a:prstGeom prst="rect">
+            <a:avLst/>
+          </a:prstGeom>
+        </p:spPr>
+        <p:txBody>
+          <a:bodyPr vert="horz" lIns="91440" tIns="45720" rIns="91440" bIns="45720" rtlCol="0" anchor="t">
+            <a:normAutofit/>
+          </a:bodyPr>
+          <a:lstStyle>
+            <a:lvl1pPr algn="l" defTabSz="914400" rtl="0" eaLnBrk="1" latinLnBrk="0" hangingPunct="1">
+              <a:lnSpc>
+                <a:spcPct val="85000"/>
+              </a:lnSpc>
+              <a:spcBef>
+                <a:spcPct val="0"/>
+              </a:spcBef>
+              <a:buNone/>
+              <a:defRPr sz="8000" kern="1200" spc="-50" baseline="0">
+                <a:solidFill>
+                  <a:schemeClr val="tx1">
+                    <a:lumMod val="85000"/>
+                    <a:lumOff val="15000"/>
+                  </a:schemeClr>
+                </a:solidFill>
+                <a:latin typeface="+mj-lt"/>
+                <a:ea typeface="+mj-ea"/>
+                <a:cs typeface="+mj-cs"/>
+              </a:defRPr>
+            </a:lvl1pPr>
+          </a:lstStyle>
+          <a:p>
+            <a:endParaRPr lang="fr-FR" sz="4000" u="sng" dirty="0" smtClean="0">
+              <a:effectLst>
+                <a:outerShdw blurRad="38100" dist="38100" dir="2700000" algn="tl">
+                  <a:srgbClr val="000000">
+                    <a:alpha val="43137"/>
+                  </a:srgbClr>
+                </a:outerShdw>
+              </a:effectLst>
+            </a:endParaRPr>
+          </a:p>
+        </p:txBody>
+      </p:sp>
+      <p:pic>
+        <p:nvPicPr>
+          <p:cNvPr id="2" name="Image 1"/>
+          <p:cNvPicPr>
+            <a:picLocks noChangeAspect="1"/>
+          </p:cNvPicPr>
+          <p:nvPr/>
+        </p:nvPicPr>
+        <p:blipFill>
+          <a:blip r:embed="rId2"/>
+          <a:stretch>
+            <a:fillRect/>
+          </a:stretch>
+        </p:blipFill>
+        <p:spPr>
+          <a:xfrm>
+            <a:off x="1093816" y="1316182"/>
+            <a:ext cx="6156496" cy="4813048"/>
+          </a:xfrm>
+          <a:prstGeom prst="rect">
+            <a:avLst/>
+          </a:prstGeom>
+        </p:spPr>
+      </p:pic>
+    </p:spTree>
+    <p:extLst>
+      <p:ext uri="{BB962C8B-B14F-4D97-AF65-F5344CB8AC3E}">
+        <p14:creationId xmlns:p14="http://schemas.microsoft.com/office/powerpoint/2010/main" val="2261745430"/>
       </p:ext>
     </p:extLst>
   </p:cSld>
